--- a/cs622_materials/Inner Classes, Lambdas and Streams.pptx
+++ b/cs622_materials/Inner Classes, Lambdas and Streams.pptx
@@ -175,6 +175,380 @@
 </p:presentation>
 </file>
 
+<file path=ppt/authors.xml><?xml version="1.0" encoding="utf-8"?>
+<p188:authorLst xmlns:a="http://schemas.openxmlformats.org/drawingml/2006/main" xmlns:r="http://schemas.openxmlformats.org/officeDocument/2006/relationships" xmlns:p188="http://schemas.microsoft.com/office/powerpoint/2018/8/main">
+  <p188:author id="{54AC2949-DE10-DF52-009D-098EBEC026D7}" name="Kramer, Michael, Gabriel" initials="KMG" userId="Kramer, Michael, Gabriel" providerId="None"/>
+</p188:authorLst>
+</file>
+
+<file path=ppt/comments/modernComment_1E8_8260245C.xml><?xml version="1.0" encoding="utf-8"?>
+<p188:cmLst xmlns:a="http://schemas.openxmlformats.org/drawingml/2006/main" xmlns:r="http://schemas.openxmlformats.org/officeDocument/2006/relationships" xmlns:p188="http://schemas.microsoft.com/office/powerpoint/2018/8/main">
+  <p188:cm id="{AB49B41D-174C-4255-B2A5-C9311554B6DD}" authorId="{54AC2949-DE10-DF52-009D-098EBEC026D7}" created="2022-02-04T02:07:34.457">
+    <ac:txMkLst xmlns:ac="http://schemas.microsoft.com/office/drawing/2013/main/command">
+      <pc:docMk xmlns:pc="http://schemas.microsoft.com/office/powerpoint/2013/main/command"/>
+      <pc:sldMk xmlns:pc="http://schemas.microsoft.com/office/powerpoint/2013/main/command" cId="2187338844" sldId="488"/>
+      <ac:spMk id="2" creationId="{A9292AFA-16E3-4041-BF46-EEC37A93BDD7}"/>
+      <ac:txMk cp="13" len="11">
+        <ac:context len="25" hash="4247746859"/>
+      </ac:txMk>
+    </ac:txMkLst>
+    <p188:pos x="8921858" y="515776"/>
+    <p188:txBody>
+      <a:bodyPr/>
+      <a:lstStyle/>
+      <a:p>
+        <a:r>
+          <a:rPr lang="en-US"/>
+          <a:t>Useful if you need to do something repeatedly withing a Method (only works within method</a:t>
+        </a:r>
+      </a:p>
+    </p188:txBody>
+  </p188:cm>
+</p188:cmLst>
+</file>
+
+<file path=ppt/comments/modernComment_1E9_F24A0B83.xml><?xml version="1.0" encoding="utf-8"?>
+<p188:cmLst xmlns:a="http://schemas.openxmlformats.org/drawingml/2006/main" xmlns:r="http://schemas.openxmlformats.org/officeDocument/2006/relationships" xmlns:p188="http://schemas.microsoft.com/office/powerpoint/2018/8/main">
+  <p188:cm id="{1AB2DD1E-7024-4F1E-AA67-A67518A9AD6F}" authorId="{54AC2949-DE10-DF52-009D-098EBEC026D7}" created="2022-02-04T02:08:37.796">
+    <ac:txMkLst xmlns:ac="http://schemas.microsoft.com/office/drawing/2013/main/command">
+      <pc:docMk xmlns:pc="http://schemas.microsoft.com/office/powerpoint/2013/main/command"/>
+      <pc:sldMk xmlns:pc="http://schemas.microsoft.com/office/powerpoint/2013/main/command" cId="4064938883" sldId="489"/>
+      <ac:spMk id="4" creationId="{3ADFDA14-7C82-4D53-901E-62E7B1561EAC}"/>
+      <ac:txMk cp="106" len="16">
+        <ac:context len="506" hash="1119223218"/>
+      </ac:txMk>
+    </ac:txMkLst>
+    <p188:pos x="3884908" y="1267531"/>
+    <p188:txBody>
+      <a:bodyPr/>
+      <a:lstStyle/>
+      <a:p>
+        <a:r>
+          <a:rPr lang="en-US"/>
+          <a:t>Static means not tied to any particular object:
+Can access static variables to the outer class but not member variables
+Really for grouping purposes
+Basically just another class, just happens to be within another class</a:t>
+        </a:r>
+      </a:p>
+    </p188:txBody>
+  </p188:cm>
+</p188:cmLst>
+</file>
+
+<file path=ppt/comments/modernComment_1EA_1149B5D2.xml><?xml version="1.0" encoding="utf-8"?>
+<p188:cmLst xmlns:a="http://schemas.openxmlformats.org/drawingml/2006/main" xmlns:r="http://schemas.openxmlformats.org/officeDocument/2006/relationships" xmlns:p188="http://schemas.microsoft.com/office/powerpoint/2018/8/main">
+  <p188:cm id="{3C1E437D-A8A4-46CE-AFFF-D56A53917EF8}" authorId="{54AC2949-DE10-DF52-009D-098EBEC026D7}" created="2022-02-04T02:18:26.687">
+    <ac:txMkLst xmlns:ac="http://schemas.microsoft.com/office/drawing/2013/main/command">
+      <pc:docMk xmlns:pc="http://schemas.microsoft.com/office/powerpoint/2013/main/command"/>
+      <pc:sldMk xmlns:pc="http://schemas.microsoft.com/office/powerpoint/2013/main/command" cId="290043346" sldId="490"/>
+      <ac:spMk id="4" creationId="{3ADFDA14-7C82-4D53-901E-62E7B1561EAC}"/>
+      <ac:txMk cp="156" len="18">
+        <ac:context len="457" hash="1239491924"/>
+      </ac:txMk>
+    </ac:txMkLst>
+    <p188:pos x="3187485" y="1902962"/>
+    <p188:txBody>
+      <a:bodyPr/>
+      <a:lstStyle/>
+      <a:p>
+        <a:r>
+          <a:rPr lang="en-US"/>
+          <a:t>implicitly extends the Show class</a:t>
+        </a:r>
+      </a:p>
+    </p188:txBody>
+  </p188:cm>
+  <p188:cm id="{DA813E56-9263-42E7-9FBB-8553CA038855}" authorId="{54AC2949-DE10-DF52-009D-098EBEC026D7}" created="2022-02-04T02:22:12.776">
+    <ac:deMkLst xmlns:ac="http://schemas.microsoft.com/office/drawing/2013/main/command">
+      <pc:docMk xmlns:pc="http://schemas.microsoft.com/office/powerpoint/2013/main/command"/>
+      <pc:sldMk xmlns:pc="http://schemas.microsoft.com/office/powerpoint/2013/main/command" cId="290043346" sldId="490"/>
+      <ac:spMk id="4" creationId="{3ADFDA14-7C82-4D53-901E-62E7B1561EAC}"/>
+    </ac:deMkLst>
+    <p188:txBody>
+      <a:bodyPr/>
+      <a:lstStyle/>
+      <a:p>
+        <a:r>
+          <a:rPr lang="en-US"/>
+          <a:t>This part is the anonymous inner class
+The instantiation and the definition happen at the same time - you can't instantiate multiple times </a:t>
+        </a:r>
+      </a:p>
+    </p188:txBody>
+  </p188:cm>
+  <p188:cm id="{8E5C201F-8160-459D-B572-22E8F04ED1A8}" authorId="{54AC2949-DE10-DF52-009D-098EBEC026D7}" created="2022-02-04T02:24:03.528">
+    <ac:deMkLst xmlns:ac="http://schemas.microsoft.com/office/drawing/2013/main/command">
+      <pc:docMk xmlns:pc="http://schemas.microsoft.com/office/powerpoint/2013/main/command"/>
+      <pc:sldMk xmlns:pc="http://schemas.microsoft.com/office/powerpoint/2013/main/command" cId="290043346" sldId="490"/>
+      <ac:spMk id="4" creationId="{3ADFDA14-7C82-4D53-901E-62E7B1561EAC}"/>
+    </ac:deMkLst>
+    <p188:txBody>
+      <a:bodyPr/>
+      <a:lstStyle/>
+      <a:p>
+        <a:r>
+          <a:rPr lang="en-US"/>
+          <a:t>Polymorphism, it's going to use the anonymous subclass version since "show" is an instance of the subclass </a:t>
+        </a:r>
+      </a:p>
+    </p188:txBody>
+  </p188:cm>
+</p188:cmLst>
+</file>
+
+<file path=ppt/comments/modernComment_1EC_46AB3690.xml><?xml version="1.0" encoding="utf-8"?>
+<p188:cmLst xmlns:a="http://schemas.openxmlformats.org/drawingml/2006/main" xmlns:r="http://schemas.openxmlformats.org/officeDocument/2006/relationships" xmlns:p188="http://schemas.microsoft.com/office/powerpoint/2018/8/main">
+  <p188:cm id="{6F35AE8C-3042-40E6-A3A3-C4507215B68D}" authorId="{54AC2949-DE10-DF52-009D-098EBEC026D7}" created="2022-02-04T02:32:43.771">
+    <ac:txMkLst xmlns:ac="http://schemas.microsoft.com/office/drawing/2013/main/command">
+      <pc:docMk xmlns:pc="http://schemas.microsoft.com/office/powerpoint/2013/main/command"/>
+      <pc:sldMk xmlns:pc="http://schemas.microsoft.com/office/powerpoint/2013/main/command" cId="1185625744" sldId="492"/>
+      <ac:spMk id="4" creationId="{3ADFDA14-7C82-4D53-901E-62E7B1561EAC}"/>
+      <ac:txMk cp="27" len="79">
+        <ac:context len="571" hash="528376507"/>
+      </ac:txMk>
+    </ac:txMkLst>
+    <p188:pos x="3977898" y="626878"/>
+    <p188:txBody>
+      <a:bodyPr/>
+      <a:lstStyle/>
+      <a:p>
+        <a:r>
+          <a:rPr lang="en-US"/>
+          <a:t>An Interface with EXACTLY ONE METHOD can be implemented as a lambda</a:t>
+        </a:r>
+      </a:p>
+    </p188:txBody>
+  </p188:cm>
+  <p188:cm id="{5C6BFF3C-0840-447B-BEA3-25466B478F49}" authorId="{54AC2949-DE10-DF52-009D-098EBEC026D7}" created="2022-02-04T02:35:50.255">
+    <ac:deMkLst xmlns:ac="http://schemas.microsoft.com/office/drawing/2013/main/command">
+      <pc:docMk xmlns:pc="http://schemas.microsoft.com/office/powerpoint/2013/main/command"/>
+      <pc:sldMk xmlns:pc="http://schemas.microsoft.com/office/powerpoint/2013/main/command" cId="1185625744" sldId="492"/>
+      <ac:spMk id="4" creationId="{3ADFDA14-7C82-4D53-901E-62E7B1561EAC}"/>
+    </ac:deMkLst>
+    <p188:txBody>
+      <a:bodyPr/>
+      <a:lstStyle/>
+      <a:p>
+        <a:r>
+          <a:rPr lang="en-US"/>
+          <a:t>These are essentially separate anonymous classes that implement TwoArgOperation and override the single method in that Interface</a:t>
+        </a:r>
+      </a:p>
+    </p188:txBody>
+  </p188:cm>
+  <p188:cm id="{F80938B6-5014-4293-B775-13A852ADB3E5}" authorId="{54AC2949-DE10-DF52-009D-098EBEC026D7}" created="2022-02-04T02:40:40.154">
+    <ac:txMkLst xmlns:ac="http://schemas.microsoft.com/office/drawing/2013/main/command">
+      <pc:docMk xmlns:pc="http://schemas.microsoft.com/office/powerpoint/2013/main/command"/>
+      <pc:sldMk xmlns:pc="http://schemas.microsoft.com/office/powerpoint/2013/main/command" cId="1185625744" sldId="492"/>
+      <ac:spMk id="2" creationId="{A9292AFA-16E3-4041-BF46-EEC37A93BDD7}"/>
+      <ac:txMk cp="7" len="5">
+        <ac:context len="13" hash="3831875715"/>
+      </ac:txMk>
+    </ac:txMkLst>
+    <p188:pos x="7527010" y="515776"/>
+    <p188:txBody>
+      <a:bodyPr/>
+      <a:lstStyle/>
+      <a:p>
+        <a:r>
+          <a:rPr lang="en-US"/>
+          <a:t>When dealing with Streams:
+There are lots of cases where you have to repeatedly do one specific thing over an over, like an event handler on a button. So lambdas are super useful there</a:t>
+        </a:r>
+      </a:p>
+    </p188:txBody>
+  </p188:cm>
+</p188:cmLst>
+</file>
+
+<file path=ppt/comments/modernComment_1ED_2C8AEBEC.xml><?xml version="1.0" encoding="utf-8"?>
+<p188:cmLst xmlns:a="http://schemas.openxmlformats.org/drawingml/2006/main" xmlns:r="http://schemas.openxmlformats.org/officeDocument/2006/relationships" xmlns:p188="http://schemas.microsoft.com/office/powerpoint/2018/8/main">
+  <p188:cm id="{3849A459-F329-473E-B46A-C046F733BBB3}" authorId="{54AC2949-DE10-DF52-009D-098EBEC026D7}" created="2022-02-04T02:41:56.107">
+    <ac:txMkLst xmlns:ac="http://schemas.microsoft.com/office/drawing/2013/main/command">
+      <pc:docMk xmlns:pc="http://schemas.microsoft.com/office/powerpoint/2013/main/command"/>
+      <pc:sldMk xmlns:pc="http://schemas.microsoft.com/office/powerpoint/2013/main/command" cId="747301868" sldId="493"/>
+      <ac:spMk id="2" creationId="{3C8F4229-1DA3-4004-8403-2D532397D603}"/>
+      <ac:txMk cp="0" len="7">
+        <ac:context len="8" hash="2348965452"/>
+      </ac:txMk>
+    </ac:txMkLst>
+    <p188:pos x="6814088" y="515776"/>
+    <p188:txBody>
+      <a:bodyPr/>
+      <a:lstStyle/>
+      <a:p>
+        <a:r>
+          <a:rPr lang="en-US"/>
+          <a:t>Java 8 Streams</a:t>
+        </a:r>
+      </a:p>
+    </p188:txBody>
+  </p188:cm>
+</p188:cmLst>
+</file>
+
+<file path=ppt/comments/modernComment_1EF_6B6BE6E9.xml><?xml version="1.0" encoding="utf-8"?>
+<p188:cmLst xmlns:a="http://schemas.openxmlformats.org/drawingml/2006/main" xmlns:r="http://schemas.openxmlformats.org/officeDocument/2006/relationships" xmlns:p188="http://schemas.microsoft.com/office/powerpoint/2018/8/main">
+  <p188:cm id="{849676BC-86D0-4443-9503-BA9891E05607}" authorId="{54AC2949-DE10-DF52-009D-098EBEC026D7}" created="2022-02-04T02:46:12.395">
+    <ac:txMkLst xmlns:ac="http://schemas.microsoft.com/office/drawing/2013/main/command">
+      <pc:docMk xmlns:pc="http://schemas.microsoft.com/office/powerpoint/2013/main/command"/>
+      <pc:sldMk xmlns:pc="http://schemas.microsoft.com/office/powerpoint/2013/main/command" cId="1802233577" sldId="495"/>
+      <ac:spMk id="4" creationId="{3ADFDA14-7C82-4D53-901E-62E7B1561EAC}"/>
+      <ac:txMk cp="150" len="10">
+        <ac:context len="221" hash="2500347761"/>
+      </ac:txMk>
+    </ac:txMkLst>
+    <p188:pos x="4024393" y="1239007"/>
+    <p188:txBody>
+      <a:bodyPr/>
+      <a:lstStyle/>
+      <a:p>
+        <a:r>
+          <a:rPr lang="en-US"/>
+          <a:t>lambda here, filter expects this </a:t>
+        </a:r>
+      </a:p>
+    </p188:txBody>
+  </p188:cm>
+  <p188:cm id="{03EF0D41-273A-4CE4-898C-78D86D6626D6}" authorId="{54AC2949-DE10-DF52-009D-098EBEC026D7}" created="2022-02-04T02:46:45.489">
+    <ac:txMkLst xmlns:ac="http://schemas.microsoft.com/office/drawing/2013/main/command">
+      <pc:docMk xmlns:pc="http://schemas.microsoft.com/office/powerpoint/2013/main/command"/>
+      <pc:sldMk xmlns:pc="http://schemas.microsoft.com/office/powerpoint/2013/main/command" cId="1802233577" sldId="495"/>
+      <ac:spMk id="4" creationId="{3ADFDA14-7C82-4D53-901E-62E7B1561EAC}"/>
+      <ac:txMk cp="171" len="4">
+        <ac:context len="221" hash="2500347761"/>
+      </ac:txMk>
+    </ac:txMkLst>
+    <p188:pos x="5915186" y="1239007"/>
+    <p188:txBody>
+      <a:bodyPr/>
+      <a:lstStyle/>
+      <a:p>
+        <a:r>
+          <a:rPr lang="en-US"/>
+          <a:t>again another lambda, map expects</a:t>
+        </a:r>
+      </a:p>
+    </p188:txBody>
+  </p188:cm>
+  <p188:cm id="{B40C5A5B-1E4F-4EBC-A4D4-C6DDC8BDD6AD}" authorId="{54AC2949-DE10-DF52-009D-098EBEC026D7}" created="2022-02-04T02:47:15.825">
+    <ac:txMkLst xmlns:ac="http://schemas.microsoft.com/office/drawing/2013/main/command">
+      <pc:docMk xmlns:pc="http://schemas.microsoft.com/office/powerpoint/2013/main/command"/>
+      <pc:sldMk xmlns:pc="http://schemas.microsoft.com/office/powerpoint/2013/main/command" cId="1802233577" sldId="495"/>
+      <ac:spMk id="4" creationId="{3ADFDA14-7C82-4D53-901E-62E7B1561EAC}"/>
+      <ac:txMk cp="190" len="20">
+        <ac:context len="221" hash="2500347761"/>
+      </ac:txMk>
+    </ac:txMkLst>
+    <p188:pos x="10301207" y="1239007"/>
+    <p188:txBody>
+      <a:bodyPr/>
+      <a:lstStyle/>
+      <a:p>
+        <a:r>
+          <a:rPr lang="en-US"/>
+          <a:t>This is the terminal operation part, just printing ---
+You won't use the terminal operation to return anything, but you could have it output to an array </a:t>
+        </a:r>
+      </a:p>
+    </p188:txBody>
+  </p188:cm>
+  <p188:cm id="{46DFCC40-7742-4ED0-8D3B-A0D6C57C0526}" authorId="{54AC2949-DE10-DF52-009D-098EBEC026D7}" created="2022-02-04T02:47:37.987">
+    <ac:deMkLst xmlns:ac="http://schemas.microsoft.com/office/drawing/2013/main/command">
+      <pc:docMk xmlns:pc="http://schemas.microsoft.com/office/powerpoint/2013/main/command"/>
+      <pc:sldMk xmlns:pc="http://schemas.microsoft.com/office/powerpoint/2013/main/command" cId="1802233577" sldId="495"/>
+      <ac:spMk id="4" creationId="{3ADFDA14-7C82-4D53-901E-62E7B1561EAC}"/>
+    </ac:deMkLst>
+    <p188:txBody>
+      <a:bodyPr/>
+      <a:lstStyle/>
+      <a:p>
+        <a:r>
+          <a:rPr lang="en-US"/>
+          <a:t>These are the intermediate operations (green highlighted)
+None of these operations are modifying the original Stream, they're creating new Objects from the lambdas</a:t>
+        </a:r>
+      </a:p>
+    </p188:txBody>
+  </p188:cm>
+  <p188:cm id="{EFBC62EE-DB30-4C9F-909B-69CD4BC5CB86}" authorId="{54AC2949-DE10-DF52-009D-098EBEC026D7}" created="2022-02-04T02:48:21.749">
+    <pc:sldMkLst xmlns:pc="http://schemas.microsoft.com/office/powerpoint/2013/main/command">
+      <pc:docMk/>
+      <pc:sldMk cId="1802233577" sldId="495"/>
+    </pc:sldMkLst>
+    <p188:txBody>
+      <a:bodyPr/>
+      <a:lstStyle/>
+      <a:p>
+        <a:r>
+          <a:rPr lang="en-US"/>
+          <a:t>This is the creation part (yellow highlight)</a:t>
+        </a:r>
+      </a:p>
+    </p188:txBody>
+  </p188:cm>
+  <p188:cm id="{D5649ABE-FE4B-4619-8739-BC53C5F6F253}" authorId="{54AC2949-DE10-DF52-009D-098EBEC026D7}" created="2022-02-04T02:54:37.284">
+    <ac:txMkLst xmlns:ac="http://schemas.microsoft.com/office/drawing/2013/main/command">
+      <pc:docMk xmlns:pc="http://schemas.microsoft.com/office/powerpoint/2013/main/command"/>
+      <pc:sldMk xmlns:pc="http://schemas.microsoft.com/office/powerpoint/2013/main/command" cId="1802233577" sldId="495"/>
+      <ac:spMk id="2" creationId="{A9292AFA-16E3-4041-BF46-EEC37A93BDD7}"/>
+      <ac:txMk cp="6" len="14">
+        <ac:context len="21" hash="2572323143"/>
+      </ac:txMk>
+    </ac:txMkLst>
+    <p188:pos x="8503403" y="511690"/>
+    <p188:txBody>
+      <a:bodyPr/>
+      <a:lstStyle/>
+      <a:p>
+        <a:r>
+          <a:rPr lang="en-US"/>
+          <a:t>The main point is that this kind of code supports parallelism and pipelining for large datasets</a:t>
+        </a:r>
+      </a:p>
+    </p188:txBody>
+  </p188:cm>
+  <p188:cm id="{204F0C31-A2AB-4172-9692-E687FC015BA0}" authorId="{54AC2949-DE10-DF52-009D-098EBEC026D7}" created="2022-02-04T02:57:59.588">
+    <pc:sldMkLst xmlns:pc="http://schemas.microsoft.com/office/powerpoint/2013/main/command">
+      <pc:docMk/>
+      <pc:sldMk cId="1802233577" sldId="495"/>
+    </pc:sldMkLst>
+    <p188:txBody>
+      <a:bodyPr/>
+      <a:lstStyle/>
+      <a:p>
+        <a:r>
+          <a:rPr lang="en-US"/>
+          <a:t>You could pass a function from a class into .filter() as long as that class implements the Interface where filter is defined .filter(Class::method)</a:t>
+        </a:r>
+      </a:p>
+    </p188:txBody>
+  </p188:cm>
+  <p188:cm id="{894C014E-E0F9-43F8-A99D-F4A8460CCAEB}" authorId="{54AC2949-DE10-DF52-009D-098EBEC026D7}" created="2022-02-04T03:07:55.928">
+    <ac:txMkLst xmlns:ac="http://schemas.microsoft.com/office/drawing/2013/main/command">
+      <pc:docMk xmlns:pc="http://schemas.microsoft.com/office/powerpoint/2013/main/command"/>
+      <pc:sldMk xmlns:pc="http://schemas.microsoft.com/office/powerpoint/2013/main/command" cId="1802233577" sldId="495"/>
+      <ac:spMk id="4" creationId="{3ADFDA14-7C82-4D53-901E-62E7B1561EAC}"/>
+      <ac:txMk cp="150" len="10">
+        <ac:context len="221" hash="2500347761"/>
+      </ac:txMk>
+    </ac:txMkLst>
+    <p188:pos x="4024393" y="1239007"/>
+    <p188:txBody>
+      <a:bodyPr/>
+      <a:lstStyle/>
+      <a:p>
+        <a:r>
+          <a:rPr lang="en-US"/>
+          <a:t>Again here, ultimately this expression results in an instance of the class that implements the interface that implements filter -&gt; filter expects an instance of that interface</a:t>
+        </a:r>
+      </a:p>
+    </p188:txBody>
+  </p188:cm>
+</p188:cmLst>
+</file>
+
 <file path=ppt/handoutMasters/handoutMaster1.xml><?xml version="1.0" encoding="utf-8"?>
 <p:handoutMaster xmlns:a="http://schemas.openxmlformats.org/drawingml/2006/main" xmlns:r="http://schemas.openxmlformats.org/officeDocument/2006/relationships" xmlns:p="http://schemas.openxmlformats.org/presentationml/2006/main">
   <p:cSld>
@@ -1270,7 +1644,19 @@
           <a:p>
             <a:r>
               <a:rPr lang="en-US" dirty="0"/>
-              <a:t>We can’t have static method in a nested inner class because an inner class is implicitly associated with an object of its outer class.</a:t>
+              <a:t>We </a:t>
+            </a:r>
+            <a:r>
+              <a:rPr lang="en-US" b="1" i="1" dirty="0">
+                <a:highlight>
+                  <a:srgbClr val="FFFF00"/>
+                </a:highlight>
+              </a:rPr>
+              <a:t>can’t have static method </a:t>
+            </a:r>
+            <a:r>
+              <a:rPr lang="en-US" dirty="0"/>
+              <a:t>in a nested inner class because an inner class is implicitly associated with an object of its outer class.</a:t>
             </a:r>
           </a:p>
           <a:p>
@@ -2180,6 +2566,91 @@
     <p:extLst>
       <p:ext uri="{BB962C8B-B14F-4D97-AF65-F5344CB8AC3E}">
         <p14:creationId xmlns:p14="http://schemas.microsoft.com/office/powerpoint/2010/main" val="212214677"/>
+      </p:ext>
+    </p:extLst>
+  </p:cSld>
+  <p:clrMapOvr>
+    <a:masterClrMapping/>
+  </p:clrMapOvr>
+</p:notes>
+</file>
+
+<file path=ppt/notesSlides/notesSlide8.xml><?xml version="1.0" encoding="utf-8"?>
+<p:notes xmlns:a="http://schemas.openxmlformats.org/drawingml/2006/main" xmlns:r="http://schemas.openxmlformats.org/officeDocument/2006/relationships" xmlns:p="http://schemas.openxmlformats.org/presentationml/2006/main">
+  <p:cSld>
+    <p:spTree>
+      <p:nvGrpSpPr>
+        <p:cNvPr id="1" name=""/>
+        <p:cNvGrpSpPr/>
+        <p:nvPr/>
+      </p:nvGrpSpPr>
+      <p:grpSpPr>
+        <a:xfrm>
+          <a:off x="0" y="0"/>
+          <a:ext cx="0" cy="0"/>
+          <a:chOff x="0" y="0"/>
+          <a:chExt cx="0" cy="0"/>
+        </a:xfrm>
+      </p:grpSpPr>
+      <p:sp>
+        <p:nvSpPr>
+          <p:cNvPr id="2" name="Slide Image Placeholder 1"/>
+          <p:cNvSpPr>
+            <a:spLocks noGrp="1" noRot="1" noChangeAspect="1"/>
+          </p:cNvSpPr>
+          <p:nvPr>
+            <p:ph type="sldImg"/>
+          </p:nvPr>
+        </p:nvSpPr>
+        <p:spPr/>
+      </p:sp>
+      <p:sp>
+        <p:nvSpPr>
+          <p:cNvPr id="3" name="Notes Placeholder 2"/>
+          <p:cNvSpPr>
+            <a:spLocks noGrp="1"/>
+          </p:cNvSpPr>
+          <p:nvPr>
+            <p:ph type="body" idx="1"/>
+          </p:nvPr>
+        </p:nvSpPr>
+        <p:spPr/>
+        <p:txBody>
+          <a:bodyPr/>
+          <a:lstStyle/>
+          <a:p>
+            <a:endParaRPr lang="en-US" dirty="0"/>
+          </a:p>
+        </p:txBody>
+      </p:sp>
+      <p:sp>
+        <p:nvSpPr>
+          <p:cNvPr id="4" name="Slide Number Placeholder 3"/>
+          <p:cNvSpPr>
+            <a:spLocks noGrp="1"/>
+          </p:cNvSpPr>
+          <p:nvPr>
+            <p:ph type="sldNum" sz="quarter" idx="5"/>
+          </p:nvPr>
+        </p:nvSpPr>
+        <p:spPr/>
+        <p:txBody>
+          <a:bodyPr/>
+          <a:lstStyle/>
+          <a:p>
+            <a:fld id="{49C17543-A926-442A-A31C-841002039190}" type="slidenum">
+              <a:rPr lang="en-US" altLang="en-US" smtClean="0"/>
+              <a:pPr/>
+              <a:t>13</a:t>
+            </a:fld>
+            <a:endParaRPr lang="en-US" altLang="en-US"/>
+          </a:p>
+        </p:txBody>
+      </p:sp>
+    </p:spTree>
+    <p:extLst>
+      <p:ext uri="{BB962C8B-B14F-4D97-AF65-F5344CB8AC3E}">
+        <p14:creationId xmlns:p14="http://schemas.microsoft.com/office/powerpoint/2010/main" val="1787416422"/>
       </p:ext>
     </p:extLst>
   </p:cSld>
@@ -2613,7 +3084,7 @@
               <a:pPr>
                 <a:defRPr/>
               </a:pPr>
-              <a:t>2/14/2020</a:t>
+              <a:t>2/3/2022</a:t>
             </a:fld>
             <a:endParaRPr lang="en-US"/>
           </a:p>
@@ -2837,7 +3308,7 @@
               <a:pPr>
                 <a:defRPr/>
               </a:pPr>
-              <a:t>2/14/2020</a:t>
+              <a:t>2/3/2022</a:t>
             </a:fld>
             <a:endParaRPr lang="en-US"/>
           </a:p>
@@ -3055,7 +3526,7 @@
           <a:p>
             <a:fld id="{9454E242-1075-47E0-A162-55C960B37C1C}" type="datetimeFigureOut">
               <a:rPr lang="en-US" smtClean="0"/>
-              <a:t>2/14/2020</a:t>
+              <a:t>2/3/2022</a:t>
             </a:fld>
             <a:endParaRPr lang="en-US"/>
           </a:p>
@@ -3223,7 +3694,7 @@
           <a:p>
             <a:fld id="{9454E242-1075-47E0-A162-55C960B37C1C}" type="datetimeFigureOut">
               <a:rPr lang="en-US" smtClean="0"/>
-              <a:t>2/14/2020</a:t>
+              <a:t>2/3/2022</a:t>
             </a:fld>
             <a:endParaRPr lang="en-US"/>
           </a:p>
@@ -3468,7 +3939,7 @@
           <a:p>
             <a:fld id="{9454E242-1075-47E0-A162-55C960B37C1C}" type="datetimeFigureOut">
               <a:rPr lang="en-US" smtClean="0"/>
-              <a:t>2/14/2020</a:t>
+              <a:t>2/3/2022</a:t>
             </a:fld>
             <a:endParaRPr lang="en-US"/>
           </a:p>
@@ -3697,7 +4168,7 @@
           <a:p>
             <a:fld id="{9454E242-1075-47E0-A162-55C960B37C1C}" type="datetimeFigureOut">
               <a:rPr lang="en-US" smtClean="0"/>
-              <a:t>2/14/2020</a:t>
+              <a:t>2/3/2022</a:t>
             </a:fld>
             <a:endParaRPr lang="en-US"/>
           </a:p>
@@ -4061,7 +4532,7 @@
           <a:p>
             <a:fld id="{9454E242-1075-47E0-A162-55C960B37C1C}" type="datetimeFigureOut">
               <a:rPr lang="en-US" smtClean="0"/>
-              <a:t>2/14/2020</a:t>
+              <a:t>2/3/2022</a:t>
             </a:fld>
             <a:endParaRPr lang="en-US"/>
           </a:p>
@@ -4178,7 +4649,7 @@
           <a:p>
             <a:fld id="{9454E242-1075-47E0-A162-55C960B37C1C}" type="datetimeFigureOut">
               <a:rPr lang="en-US" smtClean="0"/>
-              <a:t>2/14/2020</a:t>
+              <a:t>2/3/2022</a:t>
             </a:fld>
             <a:endParaRPr lang="en-US"/>
           </a:p>
@@ -4273,7 +4744,7 @@
           <a:p>
             <a:fld id="{9454E242-1075-47E0-A162-55C960B37C1C}" type="datetimeFigureOut">
               <a:rPr lang="en-US" smtClean="0"/>
-              <a:t>2/14/2020</a:t>
+              <a:t>2/3/2022</a:t>
             </a:fld>
             <a:endParaRPr lang="en-US"/>
           </a:p>
@@ -4548,7 +5019,7 @@
           <a:p>
             <a:fld id="{9454E242-1075-47E0-A162-55C960B37C1C}" type="datetimeFigureOut">
               <a:rPr lang="en-US" smtClean="0"/>
-              <a:t>2/14/2020</a:t>
+              <a:t>2/3/2022</a:t>
             </a:fld>
             <a:endParaRPr lang="en-US"/>
           </a:p>
@@ -5065,7 +5536,7 @@
           <a:p>
             <a:fld id="{9454E242-1075-47E0-A162-55C960B37C1C}" type="datetimeFigureOut">
               <a:rPr lang="en-US" smtClean="0"/>
-              <a:t>2/14/2020</a:t>
+              <a:t>2/3/2022</a:t>
             </a:fld>
             <a:endParaRPr lang="en-US"/>
           </a:p>
@@ -5233,7 +5704,7 @@
           <a:p>
             <a:fld id="{9454E242-1075-47E0-A162-55C960B37C1C}" type="datetimeFigureOut">
               <a:rPr lang="en-US" smtClean="0"/>
-              <a:t>2/14/2020</a:t>
+              <a:t>2/3/2022</a:t>
             </a:fld>
             <a:endParaRPr lang="en-US"/>
           </a:p>
@@ -5411,7 +5882,7 @@
           <a:p>
             <a:fld id="{9454E242-1075-47E0-A162-55C960B37C1C}" type="datetimeFigureOut">
               <a:rPr lang="en-US" smtClean="0"/>
-              <a:t>2/14/2020</a:t>
+              <a:t>2/3/2022</a:t>
             </a:fld>
             <a:endParaRPr lang="en-US"/>
           </a:p>
@@ -5674,7 +6145,7 @@
               <a:pPr>
                 <a:defRPr/>
               </a:pPr>
-              <a:t>2/14/2020</a:t>
+              <a:t>2/3/2022</a:t>
             </a:fld>
             <a:endParaRPr lang="en-US"/>
           </a:p>
@@ -6005,7 +6476,7 @@
               <a:pPr>
                 <a:defRPr/>
               </a:pPr>
-              <a:t>2/14/2020</a:t>
+              <a:t>2/3/2022</a:t>
             </a:fld>
             <a:endParaRPr lang="en-US"/>
           </a:p>
@@ -6470,7 +6941,7 @@
               <a:pPr>
                 <a:defRPr/>
               </a:pPr>
-              <a:t>2/14/2020</a:t>
+              <a:t>2/3/2022</a:t>
             </a:fld>
             <a:endParaRPr lang="en-US"/>
           </a:p>
@@ -6633,7 +7104,7 @@
               <a:pPr>
                 <a:defRPr/>
               </a:pPr>
-              <a:t>2/14/2020</a:t>
+              <a:t>2/3/2022</a:t>
             </a:fld>
             <a:endParaRPr lang="en-US"/>
           </a:p>
@@ -6774,7 +7245,7 @@
               <a:pPr>
                 <a:defRPr/>
               </a:pPr>
-              <a:t>2/14/2020</a:t>
+              <a:t>2/3/2022</a:t>
             </a:fld>
             <a:endParaRPr lang="en-US"/>
           </a:p>
@@ -7095,7 +7566,7 @@
               <a:pPr>
                 <a:defRPr/>
               </a:pPr>
-              <a:t>2/14/2020</a:t>
+              <a:t>2/3/2022</a:t>
             </a:fld>
             <a:endParaRPr lang="en-US"/>
           </a:p>
@@ -7396,7 +7867,7 @@
               <a:pPr>
                 <a:defRPr/>
               </a:pPr>
-              <a:t>2/14/2020</a:t>
+              <a:t>2/3/2022</a:t>
             </a:fld>
             <a:endParaRPr lang="en-US"/>
           </a:p>
@@ -8566,7 +9037,7 @@
           <a:p>
             <a:fld id="{9454E242-1075-47E0-A162-55C960B37C1C}" type="datetimeFigureOut">
               <a:rPr lang="en-US" smtClean="0"/>
-              <a:t>2/14/2020</a:t>
+              <a:t>2/3/2022</a:t>
             </a:fld>
             <a:endParaRPr lang="en-US"/>
           </a:p>
@@ -9213,7 +9684,12 @@
             <p:ph type="title"/>
           </p:nvPr>
         </p:nvSpPr>
-        <p:spPr/>
+        <p:spPr>
+          <a:xfrm>
+            <a:off x="594102" y="387212"/>
+            <a:ext cx="10972800" cy="1020762"/>
+          </a:xfrm>
+        </p:spPr>
         <p:txBody>
           <a:bodyPr/>
           <a:lstStyle/>
@@ -9411,13 +9887,28 @@
                 </a:solidFill>
                 <a:latin typeface="Consolas" panose="020B0609020204030204" pitchFamily="49" charset="0"/>
               </a:rPr>
-              <a:t>    Stream&lt;Integer&gt; </a:t>
+              <a:t>    </a:t>
+            </a:r>
+            <a:r>
+              <a:rPr lang="en-US" dirty="0">
+                <a:solidFill>
+                  <a:srgbClr val="000000"/>
+                </a:solidFill>
+                <a:highlight>
+                  <a:srgbClr val="FFFF00"/>
+                </a:highlight>
+                <a:latin typeface="Consolas" panose="020B0609020204030204" pitchFamily="49" charset="0"/>
+              </a:rPr>
+              <a:t>Stream&lt;Integer&gt; </a:t>
             </a:r>
             <a:r>
               <a:rPr lang="en-US" dirty="0" err="1">
                 <a:solidFill>
                   <a:srgbClr val="6A3E3E"/>
                 </a:solidFill>
+                <a:highlight>
+                  <a:srgbClr val="FFFF00"/>
+                </a:highlight>
                 <a:latin typeface="Consolas" panose="020B0609020204030204" pitchFamily="49" charset="0"/>
               </a:rPr>
               <a:t>intStream</a:t>
@@ -9427,6 +9918,9 @@
                 <a:solidFill>
                   <a:srgbClr val="000000"/>
                 </a:solidFill>
+                <a:highlight>
+                  <a:srgbClr val="FFFF00"/>
+                </a:highlight>
                 <a:latin typeface="Consolas" panose="020B0609020204030204" pitchFamily="49" charset="0"/>
               </a:rPr>
               <a:t> = </a:t>
@@ -9436,6 +9930,9 @@
                 <a:solidFill>
                   <a:srgbClr val="000000"/>
                 </a:solidFill>
+                <a:highlight>
+                  <a:srgbClr val="FFFF00"/>
+                </a:highlight>
                 <a:latin typeface="Consolas" panose="020B0609020204030204" pitchFamily="49" charset="0"/>
               </a:rPr>
               <a:t>Stream.</a:t>
@@ -9445,6 +9942,9 @@
                 <a:solidFill>
                   <a:srgbClr val="000000"/>
                 </a:solidFill>
+                <a:highlight>
+                  <a:srgbClr val="FFFF00"/>
+                </a:highlight>
                 <a:latin typeface="Consolas" panose="020B0609020204030204" pitchFamily="49" charset="0"/>
               </a:rPr>
               <a:t>of</a:t>
@@ -9454,6 +9954,9 @@
                 <a:solidFill>
                   <a:srgbClr val="000000"/>
                 </a:solidFill>
+                <a:highlight>
+                  <a:srgbClr val="FFFF00"/>
+                </a:highlight>
                 <a:latin typeface="Consolas" panose="020B0609020204030204" pitchFamily="49" charset="0"/>
               </a:rPr>
               <a:t>(1, 2, 3, 4);</a:t>
@@ -9474,6 +9977,9 @@
                 <a:solidFill>
                   <a:srgbClr val="6A3E3E"/>
                 </a:solidFill>
+                <a:highlight>
+                  <a:srgbClr val="00FF00"/>
+                </a:highlight>
                 <a:latin typeface="Consolas" panose="020B0609020204030204" pitchFamily="49" charset="0"/>
               </a:rPr>
               <a:t>intStream</a:t>
@@ -9483,6 +9989,9 @@
                 <a:solidFill>
                   <a:srgbClr val="000000"/>
                 </a:solidFill>
+                <a:highlight>
+                  <a:srgbClr val="00FF00"/>
+                </a:highlight>
                 <a:latin typeface="Consolas" panose="020B0609020204030204" pitchFamily="49" charset="0"/>
               </a:rPr>
               <a:t>.filter(</a:t>
@@ -9492,6 +10001,9 @@
                 <a:solidFill>
                   <a:srgbClr val="6A3E3E"/>
                 </a:solidFill>
+                <a:highlight>
+                  <a:srgbClr val="00FF00"/>
+                </a:highlight>
                 <a:latin typeface="Consolas" panose="020B0609020204030204" pitchFamily="49" charset="0"/>
               </a:rPr>
               <a:t>i</a:t>
@@ -9501,6 +10013,9 @@
                 <a:solidFill>
                   <a:srgbClr val="000000"/>
                 </a:solidFill>
+                <a:highlight>
+                  <a:srgbClr val="00FF00"/>
+                </a:highlight>
                 <a:latin typeface="Consolas" panose="020B0609020204030204" pitchFamily="49" charset="0"/>
               </a:rPr>
               <a:t> -&gt; </a:t>
@@ -9510,6 +10025,9 @@
                 <a:solidFill>
                   <a:srgbClr val="6A3E3E"/>
                 </a:solidFill>
+                <a:highlight>
+                  <a:srgbClr val="00FF00"/>
+                </a:highlight>
                 <a:latin typeface="Consolas" panose="020B0609020204030204" pitchFamily="49" charset="0"/>
               </a:rPr>
               <a:t>i</a:t>
@@ -9519,6 +10037,9 @@
                 <a:solidFill>
                   <a:srgbClr val="000000"/>
                 </a:solidFill>
+                <a:highlight>
+                  <a:srgbClr val="00FF00"/>
+                </a:highlight>
                 <a:latin typeface="Consolas" panose="020B0609020204030204" pitchFamily="49" charset="0"/>
               </a:rPr>
               <a:t> &gt; 2).map(</a:t>
@@ -9528,6 +10049,9 @@
                 <a:solidFill>
                   <a:srgbClr val="6A3E3E"/>
                 </a:solidFill>
+                <a:highlight>
+                  <a:srgbClr val="00FF00"/>
+                </a:highlight>
                 <a:latin typeface="Consolas" panose="020B0609020204030204" pitchFamily="49" charset="0"/>
               </a:rPr>
               <a:t>i</a:t>
@@ -9537,6 +10061,9 @@
                 <a:solidFill>
                   <a:srgbClr val="000000"/>
                 </a:solidFill>
+                <a:highlight>
+                  <a:srgbClr val="00FF00"/>
+                </a:highlight>
                 <a:latin typeface="Consolas" panose="020B0609020204030204" pitchFamily="49" charset="0"/>
               </a:rPr>
               <a:t> -&gt; </a:t>
@@ -9546,6 +10073,9 @@
                 <a:solidFill>
                   <a:srgbClr val="6A3E3E"/>
                 </a:solidFill>
+                <a:highlight>
+                  <a:srgbClr val="00FF00"/>
+                </a:highlight>
                 <a:latin typeface="Consolas" panose="020B0609020204030204" pitchFamily="49" charset="0"/>
               </a:rPr>
               <a:t>i</a:t>
@@ -9555,9 +10085,21 @@
                 <a:solidFill>
                   <a:srgbClr val="000000"/>
                 </a:solidFill>
-                <a:latin typeface="Consolas" panose="020B0609020204030204" pitchFamily="49" charset="0"/>
-              </a:rPr>
-              <a:t>+10).forEach(</a:t>
+                <a:highlight>
+                  <a:srgbClr val="00FF00"/>
+                </a:highlight>
+                <a:latin typeface="Consolas" panose="020B0609020204030204" pitchFamily="49" charset="0"/>
+              </a:rPr>
+              <a:t>+10).</a:t>
+            </a:r>
+            <a:r>
+              <a:rPr lang="nn-NO" dirty="0">
+                <a:solidFill>
+                  <a:srgbClr val="000000"/>
+                </a:solidFill>
+                <a:latin typeface="Consolas" panose="020B0609020204030204" pitchFamily="49" charset="0"/>
+              </a:rPr>
+              <a:t>forEach(</a:t>
             </a:r>
             <a:r>
               <a:rPr lang="nn-NO" dirty="0">
@@ -9765,6 +10307,11 @@
   <p:clrMapOvr>
     <a:masterClrMapping/>
   </p:clrMapOvr>
+  <p:extLst>
+    <p:ext uri="{6950BFC3-D8DA-4A85-94F7-54DA5524770B}">
+      <p188:commentRel xmlns:p188="http://schemas.microsoft.com/office/powerpoint/2018/8/main" r:id="rId3"/>
+    </p:ext>
+  </p:extLst>
 </p:sld>
 </file>
 
@@ -12361,6 +12908,11 @@
   <p:clrMapOvr>
     <a:masterClrMapping/>
   </p:clrMapOvr>
+  <p:extLst>
+    <p:ext uri="{6950BFC3-D8DA-4A85-94F7-54DA5524770B}">
+      <p188:commentRel xmlns:p188="http://schemas.microsoft.com/office/powerpoint/2018/8/main" r:id="rId3"/>
+    </p:ext>
+  </p:extLst>
 </p:sld>
 </file>
 
@@ -13439,6 +13991,11 @@
   <p:clrMapOvr>
     <a:masterClrMapping/>
   </p:clrMapOvr>
+  <p:extLst>
+    <p:ext uri="{6950BFC3-D8DA-4A85-94F7-54DA5524770B}">
+      <p188:commentRel xmlns:p188="http://schemas.microsoft.com/office/powerpoint/2018/8/main" r:id="rId3"/>
+    </p:ext>
+  </p:extLst>
 </p:sld>
 </file>
 
@@ -14002,6 +14559,9 @@
                 <a:solidFill>
                   <a:srgbClr val="000000"/>
                 </a:solidFill>
+                <a:highlight>
+                  <a:srgbClr val="FFFF00"/>
+                </a:highlight>
                 <a:latin typeface="Consolas" panose="020B0609020204030204" pitchFamily="49" charset="0"/>
               </a:rPr>
               <a:t>    Show </a:t>
@@ -14011,6 +14571,9 @@
                 <a:solidFill>
                   <a:srgbClr val="6A3E3E"/>
                 </a:solidFill>
+                <a:highlight>
+                  <a:srgbClr val="FFFF00"/>
+                </a:highlight>
                 <a:latin typeface="Consolas" panose="020B0609020204030204" pitchFamily="49" charset="0"/>
               </a:rPr>
               <a:t>show</a:t>
@@ -14020,6 +14583,9 @@
                 <a:solidFill>
                   <a:srgbClr val="000000"/>
                 </a:solidFill>
+                <a:highlight>
+                  <a:srgbClr val="FFFF00"/>
+                </a:highlight>
                 <a:latin typeface="Consolas" panose="020B0609020204030204" pitchFamily="49" charset="0"/>
               </a:rPr>
               <a:t> = </a:t>
@@ -14029,6 +14595,9 @@
                 <a:solidFill>
                   <a:srgbClr val="7F0055"/>
                 </a:solidFill>
+                <a:highlight>
+                  <a:srgbClr val="FFFF00"/>
+                </a:highlight>
                 <a:latin typeface="Consolas" panose="020B0609020204030204" pitchFamily="49" charset="0"/>
               </a:rPr>
               <a:t>new</a:t>
@@ -14038,6 +14607,9 @@
                 <a:solidFill>
                   <a:srgbClr val="000000"/>
                 </a:solidFill>
+                <a:highlight>
+                  <a:srgbClr val="FFFF00"/>
+                </a:highlight>
                 <a:latin typeface="Consolas" panose="020B0609020204030204" pitchFamily="49" charset="0"/>
               </a:rPr>
               <a:t> Show() {</a:t>
@@ -14049,6 +14621,9 @@
                 <a:solidFill>
                   <a:srgbClr val="000000"/>
                 </a:solidFill>
+                <a:highlight>
+                  <a:srgbClr val="FFFF00"/>
+                </a:highlight>
                 <a:latin typeface="Consolas" panose="020B0609020204030204" pitchFamily="49" charset="0"/>
               </a:rPr>
               <a:t>      </a:t>
@@ -14058,6 +14633,9 @@
                 <a:solidFill>
                   <a:srgbClr val="7F0055"/>
                 </a:solidFill>
+                <a:highlight>
+                  <a:srgbClr val="FFFF00"/>
+                </a:highlight>
                 <a:latin typeface="Consolas" panose="020B0609020204030204" pitchFamily="49" charset="0"/>
               </a:rPr>
               <a:t>public</a:t>
@@ -14067,6 +14645,9 @@
                 <a:solidFill>
                   <a:srgbClr val="000000"/>
                 </a:solidFill>
+                <a:highlight>
+                  <a:srgbClr val="FFFF00"/>
+                </a:highlight>
                 <a:latin typeface="Consolas" panose="020B0609020204030204" pitchFamily="49" charset="0"/>
               </a:rPr>
               <a:t> </a:t>
@@ -14076,6 +14657,9 @@
                 <a:solidFill>
                   <a:srgbClr val="7F0055"/>
                 </a:solidFill>
+                <a:highlight>
+                  <a:srgbClr val="FFFF00"/>
+                </a:highlight>
                 <a:latin typeface="Consolas" panose="020B0609020204030204" pitchFamily="49" charset="0"/>
               </a:rPr>
               <a:t>void</a:t>
@@ -14085,6 +14669,9 @@
                 <a:solidFill>
                   <a:srgbClr val="000000"/>
                 </a:solidFill>
+                <a:highlight>
+                  <a:srgbClr val="FFFF00"/>
+                </a:highlight>
                 <a:latin typeface="Consolas" panose="020B0609020204030204" pitchFamily="49" charset="0"/>
               </a:rPr>
               <a:t> </a:t>
@@ -14094,6 +14681,9 @@
                 <a:solidFill>
                   <a:srgbClr val="000000"/>
                 </a:solidFill>
+                <a:highlight>
+                  <a:srgbClr val="FFFF00"/>
+                </a:highlight>
                 <a:latin typeface="Consolas" panose="020B0609020204030204" pitchFamily="49" charset="0"/>
               </a:rPr>
               <a:t>ShowIt</a:t>
@@ -14103,6 +14693,9 @@
                 <a:solidFill>
                   <a:srgbClr val="000000"/>
                 </a:solidFill>
+                <a:highlight>
+                  <a:srgbClr val="FFFF00"/>
+                </a:highlight>
                 <a:latin typeface="Consolas" panose="020B0609020204030204" pitchFamily="49" charset="0"/>
               </a:rPr>
               <a:t>() {</a:t>
@@ -14114,6 +14707,9 @@
                 <a:solidFill>
                   <a:srgbClr val="000000"/>
                 </a:solidFill>
+                <a:highlight>
+                  <a:srgbClr val="FFFF00"/>
+                </a:highlight>
                 <a:latin typeface="Consolas" panose="020B0609020204030204" pitchFamily="49" charset="0"/>
               </a:rPr>
               <a:t>        </a:t>
@@ -14123,6 +14719,9 @@
                 <a:solidFill>
                   <a:srgbClr val="7F0055"/>
                 </a:solidFill>
+                <a:highlight>
+                  <a:srgbClr val="FFFF00"/>
+                </a:highlight>
                 <a:latin typeface="Consolas" panose="020B0609020204030204" pitchFamily="49" charset="0"/>
               </a:rPr>
               <a:t>super</a:t>
@@ -14132,6 +14731,9 @@
                 <a:solidFill>
                   <a:srgbClr val="000000"/>
                 </a:solidFill>
+                <a:highlight>
+                  <a:srgbClr val="FFFF00"/>
+                </a:highlight>
                 <a:latin typeface="Consolas" panose="020B0609020204030204" pitchFamily="49" charset="0"/>
               </a:rPr>
               <a:t>.ShowIt</a:t>
@@ -14141,6 +14743,9 @@
                 <a:solidFill>
                   <a:srgbClr val="000000"/>
                 </a:solidFill>
+                <a:highlight>
+                  <a:srgbClr val="FFFF00"/>
+                </a:highlight>
                 <a:latin typeface="Consolas" panose="020B0609020204030204" pitchFamily="49" charset="0"/>
               </a:rPr>
               <a:t>();</a:t>
@@ -14152,6 +14757,9 @@
                 <a:solidFill>
                   <a:srgbClr val="000000"/>
                 </a:solidFill>
+                <a:highlight>
+                  <a:srgbClr val="FFFF00"/>
+                </a:highlight>
                 <a:latin typeface="Consolas" panose="020B0609020204030204" pitchFamily="49" charset="0"/>
               </a:rPr>
               <a:t>        </a:t>
@@ -14161,6 +14769,9 @@
                 <a:solidFill>
                   <a:srgbClr val="000000"/>
                 </a:solidFill>
+                <a:highlight>
+                  <a:srgbClr val="FFFF00"/>
+                </a:highlight>
                 <a:latin typeface="Consolas" panose="020B0609020204030204" pitchFamily="49" charset="0"/>
               </a:rPr>
               <a:t>System.</a:t>
@@ -14170,6 +14781,9 @@
                 <a:solidFill>
                   <a:srgbClr val="0000C0"/>
                 </a:solidFill>
+                <a:highlight>
+                  <a:srgbClr val="FFFF00"/>
+                </a:highlight>
                 <a:latin typeface="Consolas" panose="020B0609020204030204" pitchFamily="49" charset="0"/>
               </a:rPr>
               <a:t>out</a:t>
@@ -14179,6 +14793,9 @@
                 <a:solidFill>
                   <a:srgbClr val="000000"/>
                 </a:solidFill>
+                <a:highlight>
+                  <a:srgbClr val="FFFF00"/>
+                </a:highlight>
                 <a:latin typeface="Consolas" panose="020B0609020204030204" pitchFamily="49" charset="0"/>
               </a:rPr>
               <a:t>.println</a:t>
@@ -14188,6 +14805,9 @@
                 <a:solidFill>
                   <a:srgbClr val="000000"/>
                 </a:solidFill>
+                <a:highlight>
+                  <a:srgbClr val="FFFF00"/>
+                </a:highlight>
                 <a:latin typeface="Consolas" panose="020B0609020204030204" pitchFamily="49" charset="0"/>
               </a:rPr>
               <a:t>(</a:t>
@@ -14197,6 +14817,9 @@
                 <a:solidFill>
                   <a:srgbClr val="2A00FF"/>
                 </a:solidFill>
+                <a:highlight>
+                  <a:srgbClr val="FFFF00"/>
+                </a:highlight>
                 <a:latin typeface="Consolas" panose="020B0609020204030204" pitchFamily="49" charset="0"/>
               </a:rPr>
               <a:t>"</a:t>
@@ -14206,6 +14829,9 @@
                 <a:solidFill>
                   <a:srgbClr val="2A00FF"/>
                 </a:solidFill>
+                <a:highlight>
+                  <a:srgbClr val="FFFF00"/>
+                </a:highlight>
                 <a:latin typeface="Consolas" panose="020B0609020204030204" pitchFamily="49" charset="0"/>
               </a:rPr>
               <a:t>showMemberVar</a:t>
@@ -14215,6 +14841,9 @@
                 <a:solidFill>
                   <a:srgbClr val="2A00FF"/>
                 </a:solidFill>
+                <a:highlight>
+                  <a:srgbClr val="FFFF00"/>
+                </a:highlight>
                 <a:latin typeface="Consolas" panose="020B0609020204030204" pitchFamily="49" charset="0"/>
               </a:rPr>
               <a:t>="</a:t>
@@ -14224,6 +14853,9 @@
                 <a:solidFill>
                   <a:srgbClr val="000000"/>
                 </a:solidFill>
+                <a:highlight>
+                  <a:srgbClr val="FFFF00"/>
+                </a:highlight>
                 <a:latin typeface="Consolas" panose="020B0609020204030204" pitchFamily="49" charset="0"/>
               </a:rPr>
               <a:t> + </a:t>
@@ -14233,6 +14865,9 @@
                 <a:solidFill>
                   <a:srgbClr val="0000C0"/>
                 </a:solidFill>
+                <a:highlight>
+                  <a:srgbClr val="FFFF00"/>
+                </a:highlight>
                 <a:latin typeface="Consolas" panose="020B0609020204030204" pitchFamily="49" charset="0"/>
               </a:rPr>
               <a:t>showMemberVar</a:t>
@@ -14242,6 +14877,9 @@
                 <a:solidFill>
                   <a:srgbClr val="000000"/>
                 </a:solidFill>
+                <a:highlight>
+                  <a:srgbClr val="FFFF00"/>
+                </a:highlight>
                 <a:latin typeface="Consolas" panose="020B0609020204030204" pitchFamily="49" charset="0"/>
               </a:rPr>
               <a:t> + </a:t>
@@ -14251,6 +14889,9 @@
                 <a:solidFill>
                   <a:srgbClr val="2A00FF"/>
                 </a:solidFill>
+                <a:highlight>
+                  <a:srgbClr val="FFFF00"/>
+                </a:highlight>
                 <a:latin typeface="Consolas" panose="020B0609020204030204" pitchFamily="49" charset="0"/>
               </a:rPr>
               <a:t>" and </a:t>
@@ -14260,6 +14901,9 @@
                 <a:solidFill>
                   <a:srgbClr val="2A00FF"/>
                 </a:solidFill>
+                <a:highlight>
+                  <a:srgbClr val="FFFF00"/>
+                </a:highlight>
                 <a:latin typeface="Consolas" panose="020B0609020204030204" pitchFamily="49" charset="0"/>
               </a:rPr>
               <a:t>localVar</a:t>
@@ -14269,6 +14913,9 @@
                 <a:solidFill>
                   <a:srgbClr val="2A00FF"/>
                 </a:solidFill>
+                <a:highlight>
+                  <a:srgbClr val="FFFF00"/>
+                </a:highlight>
                 <a:latin typeface="Consolas" panose="020B0609020204030204" pitchFamily="49" charset="0"/>
               </a:rPr>
               <a:t>="</a:t>
@@ -14278,6 +14925,9 @@
                 <a:solidFill>
                   <a:srgbClr val="000000"/>
                 </a:solidFill>
+                <a:highlight>
+                  <a:srgbClr val="FFFF00"/>
+                </a:highlight>
                 <a:latin typeface="Consolas" panose="020B0609020204030204" pitchFamily="49" charset="0"/>
               </a:rPr>
               <a:t> + </a:t>
@@ -14287,6 +14937,9 @@
                 <a:solidFill>
                   <a:srgbClr val="6A3E3E"/>
                 </a:solidFill>
+                <a:highlight>
+                  <a:srgbClr val="FFFF00"/>
+                </a:highlight>
                 <a:latin typeface="Consolas" panose="020B0609020204030204" pitchFamily="49" charset="0"/>
               </a:rPr>
               <a:t>localVar</a:t>
@@ -14296,6 +14949,9 @@
                 <a:solidFill>
                   <a:srgbClr val="000000"/>
                 </a:solidFill>
+                <a:highlight>
+                  <a:srgbClr val="FFFF00"/>
+                </a:highlight>
                 <a:latin typeface="Consolas" panose="020B0609020204030204" pitchFamily="49" charset="0"/>
               </a:rPr>
               <a:t>);</a:t>
@@ -14307,6 +14963,9 @@
                 <a:solidFill>
                   <a:srgbClr val="000000"/>
                 </a:solidFill>
+                <a:highlight>
+                  <a:srgbClr val="FFFF00"/>
+                </a:highlight>
                 <a:latin typeface="Consolas" panose="020B0609020204030204" pitchFamily="49" charset="0"/>
               </a:rPr>
               <a:t>      }</a:t>
@@ -14318,6 +14977,9 @@
                 <a:solidFill>
                   <a:srgbClr val="000000"/>
                 </a:solidFill>
+                <a:highlight>
+                  <a:srgbClr val="FFFF00"/>
+                </a:highlight>
                 <a:latin typeface="Consolas" panose="020B0609020204030204" pitchFamily="49" charset="0"/>
               </a:rPr>
               <a:t>    };</a:t>
@@ -14338,6 +15000,9 @@
                 <a:solidFill>
                   <a:srgbClr val="6A3E3E"/>
                 </a:solidFill>
+                <a:highlight>
+                  <a:srgbClr val="00FF00"/>
+                </a:highlight>
                 <a:latin typeface="Consolas" panose="020B0609020204030204" pitchFamily="49" charset="0"/>
               </a:rPr>
               <a:t>show</a:t>
@@ -14347,6 +15012,9 @@
                 <a:solidFill>
                   <a:srgbClr val="000000"/>
                 </a:solidFill>
+                <a:highlight>
+                  <a:srgbClr val="00FF00"/>
+                </a:highlight>
                 <a:latin typeface="Consolas" panose="020B0609020204030204" pitchFamily="49" charset="0"/>
               </a:rPr>
               <a:t>.ShowIt</a:t>
@@ -14356,6 +15024,9 @@
                 <a:solidFill>
                   <a:srgbClr val="000000"/>
                 </a:solidFill>
+                <a:highlight>
+                  <a:srgbClr val="00FF00"/>
+                </a:highlight>
                 <a:latin typeface="Consolas" panose="020B0609020204030204" pitchFamily="49" charset="0"/>
               </a:rPr>
               <a:t>();</a:t>
@@ -14567,6 +15238,11 @@
   <p:clrMapOvr>
     <a:masterClrMapping/>
   </p:clrMapOvr>
+  <p:extLst>
+    <p:ext uri="{6950BFC3-D8DA-4A85-94F7-54DA5524770B}">
+      <p188:commentRel xmlns:p188="http://schemas.microsoft.com/office/powerpoint/2018/8/main" r:id="rId3"/>
+    </p:ext>
+  </p:extLst>
 </p:sld>
 </file>
 
@@ -14755,7 +15431,7 @@
         </p:nvSpPr>
         <p:spPr>
           <a:xfrm>
-            <a:off x="609600" y="1558383"/>
+            <a:off x="609600" y="1543288"/>
             <a:ext cx="10972800" cy="3970318"/>
           </a:xfrm>
           <a:prstGeom prst="rect">
@@ -15122,6 +15798,9 @@
                 <a:solidFill>
                   <a:srgbClr val="000000"/>
                 </a:solidFill>
+                <a:highlight>
+                  <a:srgbClr val="FFFF00"/>
+                </a:highlight>
                 <a:latin typeface="Consolas" panose="020B0609020204030204" pitchFamily="49" charset="0"/>
               </a:rPr>
               <a:t>TwoArgOperation</a:t>
@@ -15131,6 +15810,9 @@
                 <a:solidFill>
                   <a:srgbClr val="000000"/>
                 </a:solidFill>
+                <a:highlight>
+                  <a:srgbClr val="FFFF00"/>
+                </a:highlight>
                 <a:latin typeface="Consolas" panose="020B0609020204030204" pitchFamily="49" charset="0"/>
               </a:rPr>
               <a:t> </a:t>
@@ -15140,6 +15822,9 @@
                 <a:solidFill>
                   <a:srgbClr val="6A3E3E"/>
                 </a:solidFill>
+                <a:highlight>
+                  <a:srgbClr val="FFFF00"/>
+                </a:highlight>
                 <a:latin typeface="Consolas" panose="020B0609020204030204" pitchFamily="49" charset="0"/>
               </a:rPr>
               <a:t>subtraction</a:t>
@@ -15149,6 +15834,9 @@
                 <a:solidFill>
                   <a:srgbClr val="000000"/>
                 </a:solidFill>
+                <a:highlight>
+                  <a:srgbClr val="FFFF00"/>
+                </a:highlight>
                 <a:latin typeface="Consolas" panose="020B0609020204030204" pitchFamily="49" charset="0"/>
               </a:rPr>
               <a:t> = (</a:t>
@@ -15158,6 +15846,9 @@
                 <a:solidFill>
                   <a:srgbClr val="6A3E3E"/>
                 </a:solidFill>
+                <a:highlight>
+                  <a:srgbClr val="FFFF00"/>
+                </a:highlight>
                 <a:latin typeface="Consolas" panose="020B0609020204030204" pitchFamily="49" charset="0"/>
               </a:rPr>
               <a:t>x</a:t>
@@ -15167,6 +15858,9 @@
                 <a:solidFill>
                   <a:srgbClr val="000000"/>
                 </a:solidFill>
+                <a:highlight>
+                  <a:srgbClr val="FFFF00"/>
+                </a:highlight>
                 <a:latin typeface="Consolas" panose="020B0609020204030204" pitchFamily="49" charset="0"/>
               </a:rPr>
               <a:t>, </a:t>
@@ -15176,6 +15870,9 @@
                 <a:solidFill>
                   <a:srgbClr val="6A3E3E"/>
                 </a:solidFill>
+                <a:highlight>
+                  <a:srgbClr val="FFFF00"/>
+                </a:highlight>
                 <a:latin typeface="Consolas" panose="020B0609020204030204" pitchFamily="49" charset="0"/>
               </a:rPr>
               <a:t>y</a:t>
@@ -15185,6 +15882,9 @@
                 <a:solidFill>
                   <a:srgbClr val="000000"/>
                 </a:solidFill>
+                <a:highlight>
+                  <a:srgbClr val="FFFF00"/>
+                </a:highlight>
                 <a:latin typeface="Consolas" panose="020B0609020204030204" pitchFamily="49" charset="0"/>
               </a:rPr>
               <a:t>) -&gt; </a:t>
@@ -15194,6 +15894,9 @@
                 <a:solidFill>
                   <a:srgbClr val="6A3E3E"/>
                 </a:solidFill>
+                <a:highlight>
+                  <a:srgbClr val="FFFF00"/>
+                </a:highlight>
                 <a:latin typeface="Consolas" panose="020B0609020204030204" pitchFamily="49" charset="0"/>
               </a:rPr>
               <a:t>x</a:t>
@@ -15203,6 +15906,9 @@
                 <a:solidFill>
                   <a:srgbClr val="000000"/>
                 </a:solidFill>
+                <a:highlight>
+                  <a:srgbClr val="FFFF00"/>
+                </a:highlight>
                 <a:latin typeface="Consolas" panose="020B0609020204030204" pitchFamily="49" charset="0"/>
               </a:rPr>
               <a:t> - </a:t>
@@ -15212,6 +15918,9 @@
                 <a:solidFill>
                   <a:srgbClr val="6A3E3E"/>
                 </a:solidFill>
+                <a:highlight>
+                  <a:srgbClr val="FFFF00"/>
+                </a:highlight>
                 <a:latin typeface="Consolas" panose="020B0609020204030204" pitchFamily="49" charset="0"/>
               </a:rPr>
               <a:t>y</a:t>
@@ -15221,6 +15930,9 @@
                 <a:solidFill>
                   <a:srgbClr val="000000"/>
                 </a:solidFill>
+                <a:highlight>
+                  <a:srgbClr val="FFFF00"/>
+                </a:highlight>
                 <a:latin typeface="Consolas" panose="020B0609020204030204" pitchFamily="49" charset="0"/>
               </a:rPr>
               <a:t>;</a:t>
@@ -15232,6 +15944,9 @@
                 <a:solidFill>
                   <a:srgbClr val="000000"/>
                 </a:solidFill>
+                <a:highlight>
+                  <a:srgbClr val="FFFF00"/>
+                </a:highlight>
                 <a:latin typeface="Consolas" panose="020B0609020204030204" pitchFamily="49" charset="0"/>
               </a:rPr>
               <a:t>    </a:t>
@@ -15241,6 +15956,9 @@
                 <a:solidFill>
                   <a:srgbClr val="000000"/>
                 </a:solidFill>
+                <a:highlight>
+                  <a:srgbClr val="FFFF00"/>
+                </a:highlight>
                 <a:latin typeface="Consolas" panose="020B0609020204030204" pitchFamily="49" charset="0"/>
               </a:rPr>
               <a:t>TwoArgOperation</a:t>
@@ -15250,6 +15968,9 @@
                 <a:solidFill>
                   <a:srgbClr val="000000"/>
                 </a:solidFill>
+                <a:highlight>
+                  <a:srgbClr val="FFFF00"/>
+                </a:highlight>
                 <a:latin typeface="Consolas" panose="020B0609020204030204" pitchFamily="49" charset="0"/>
               </a:rPr>
               <a:t> </a:t>
@@ -15259,6 +15980,9 @@
                 <a:solidFill>
                   <a:srgbClr val="6A3E3E"/>
                 </a:solidFill>
+                <a:highlight>
+                  <a:srgbClr val="FFFF00"/>
+                </a:highlight>
                 <a:latin typeface="Consolas" panose="020B0609020204030204" pitchFamily="49" charset="0"/>
               </a:rPr>
               <a:t>addition</a:t>
@@ -15268,6 +15992,9 @@
                 <a:solidFill>
                   <a:srgbClr val="000000"/>
                 </a:solidFill>
+                <a:highlight>
+                  <a:srgbClr val="FFFF00"/>
+                </a:highlight>
                 <a:latin typeface="Consolas" panose="020B0609020204030204" pitchFamily="49" charset="0"/>
               </a:rPr>
               <a:t> = (</a:t>
@@ -15277,6 +16004,9 @@
                 <a:solidFill>
                   <a:srgbClr val="6A3E3E"/>
                 </a:solidFill>
+                <a:highlight>
+                  <a:srgbClr val="FFFF00"/>
+                </a:highlight>
                 <a:latin typeface="Consolas" panose="020B0609020204030204" pitchFamily="49" charset="0"/>
               </a:rPr>
               <a:t>x</a:t>
@@ -15286,6 +16016,9 @@
                 <a:solidFill>
                   <a:srgbClr val="000000"/>
                 </a:solidFill>
+                <a:highlight>
+                  <a:srgbClr val="FFFF00"/>
+                </a:highlight>
                 <a:latin typeface="Consolas" panose="020B0609020204030204" pitchFamily="49" charset="0"/>
               </a:rPr>
               <a:t>, </a:t>
@@ -15295,6 +16028,9 @@
                 <a:solidFill>
                   <a:srgbClr val="6A3E3E"/>
                 </a:solidFill>
+                <a:highlight>
+                  <a:srgbClr val="FFFF00"/>
+                </a:highlight>
                 <a:latin typeface="Consolas" panose="020B0609020204030204" pitchFamily="49" charset="0"/>
               </a:rPr>
               <a:t>y</a:t>
@@ -15304,6 +16040,9 @@
                 <a:solidFill>
                   <a:srgbClr val="000000"/>
                 </a:solidFill>
+                <a:highlight>
+                  <a:srgbClr val="FFFF00"/>
+                </a:highlight>
                 <a:latin typeface="Consolas" panose="020B0609020204030204" pitchFamily="49" charset="0"/>
               </a:rPr>
               <a:t>) -&gt; </a:t>
@@ -15313,6 +16052,9 @@
                 <a:solidFill>
                   <a:srgbClr val="6A3E3E"/>
                 </a:solidFill>
+                <a:highlight>
+                  <a:srgbClr val="FFFF00"/>
+                </a:highlight>
                 <a:latin typeface="Consolas" panose="020B0609020204030204" pitchFamily="49" charset="0"/>
               </a:rPr>
               <a:t>x</a:t>
@@ -15322,6 +16064,9 @@
                 <a:solidFill>
                   <a:srgbClr val="000000"/>
                 </a:solidFill>
+                <a:highlight>
+                  <a:srgbClr val="FFFF00"/>
+                </a:highlight>
                 <a:latin typeface="Consolas" panose="020B0609020204030204" pitchFamily="49" charset="0"/>
               </a:rPr>
               <a:t> + </a:t>
@@ -15331,6 +16076,9 @@
                 <a:solidFill>
                   <a:srgbClr val="6A3E3E"/>
                 </a:solidFill>
+                <a:highlight>
+                  <a:srgbClr val="FFFF00"/>
+                </a:highlight>
                 <a:latin typeface="Consolas" panose="020B0609020204030204" pitchFamily="49" charset="0"/>
               </a:rPr>
               <a:t>y</a:t>
@@ -15340,6 +16088,9 @@
                 <a:solidFill>
                   <a:srgbClr val="000000"/>
                 </a:solidFill>
+                <a:highlight>
+                  <a:srgbClr val="FFFF00"/>
+                </a:highlight>
                 <a:latin typeface="Consolas" panose="020B0609020204030204" pitchFamily="49" charset="0"/>
               </a:rPr>
               <a:t>;</a:t>
@@ -15351,6 +16102,9 @@
                 <a:solidFill>
                   <a:srgbClr val="000000"/>
                 </a:solidFill>
+                <a:highlight>
+                  <a:srgbClr val="FFFF00"/>
+                </a:highlight>
                 <a:latin typeface="Consolas" panose="020B0609020204030204" pitchFamily="49" charset="0"/>
               </a:rPr>
               <a:t>    </a:t>
@@ -15360,6 +16114,9 @@
                 <a:solidFill>
                   <a:srgbClr val="000000"/>
                 </a:solidFill>
+                <a:highlight>
+                  <a:srgbClr val="FFFF00"/>
+                </a:highlight>
                 <a:latin typeface="Consolas" panose="020B0609020204030204" pitchFamily="49" charset="0"/>
               </a:rPr>
               <a:t>TwoArgOperation</a:t>
@@ -15369,6 +16126,9 @@
                 <a:solidFill>
                   <a:srgbClr val="000000"/>
                 </a:solidFill>
+                <a:highlight>
+                  <a:srgbClr val="FFFF00"/>
+                </a:highlight>
                 <a:latin typeface="Consolas" panose="020B0609020204030204" pitchFamily="49" charset="0"/>
               </a:rPr>
               <a:t> </a:t>
@@ -15378,6 +16138,9 @@
                 <a:solidFill>
                   <a:srgbClr val="6A3E3E"/>
                 </a:solidFill>
+                <a:highlight>
+                  <a:srgbClr val="FFFF00"/>
+                </a:highlight>
                 <a:latin typeface="Consolas" panose="020B0609020204030204" pitchFamily="49" charset="0"/>
               </a:rPr>
               <a:t>addTwice</a:t>
@@ -15387,6 +16150,9 @@
                 <a:solidFill>
                   <a:srgbClr val="000000"/>
                 </a:solidFill>
+                <a:highlight>
+                  <a:srgbClr val="FFFF00"/>
+                </a:highlight>
                 <a:latin typeface="Consolas" panose="020B0609020204030204" pitchFamily="49" charset="0"/>
               </a:rPr>
               <a:t> = (</a:t>
@@ -15396,6 +16162,9 @@
                 <a:solidFill>
                   <a:srgbClr val="6A3E3E"/>
                 </a:solidFill>
+                <a:highlight>
+                  <a:srgbClr val="FFFF00"/>
+                </a:highlight>
                 <a:latin typeface="Consolas" panose="020B0609020204030204" pitchFamily="49" charset="0"/>
               </a:rPr>
               <a:t>x</a:t>
@@ -15405,6 +16174,9 @@
                 <a:solidFill>
                   <a:srgbClr val="000000"/>
                 </a:solidFill>
+                <a:highlight>
+                  <a:srgbClr val="FFFF00"/>
+                </a:highlight>
                 <a:latin typeface="Consolas" panose="020B0609020204030204" pitchFamily="49" charset="0"/>
               </a:rPr>
               <a:t>, </a:t>
@@ -15414,6 +16186,9 @@
                 <a:solidFill>
                   <a:srgbClr val="6A3E3E"/>
                 </a:solidFill>
+                <a:highlight>
+                  <a:srgbClr val="FFFF00"/>
+                </a:highlight>
                 <a:latin typeface="Consolas" panose="020B0609020204030204" pitchFamily="49" charset="0"/>
               </a:rPr>
               <a:t>y</a:t>
@@ -15423,6 +16198,9 @@
                 <a:solidFill>
                   <a:srgbClr val="000000"/>
                 </a:solidFill>
+                <a:highlight>
+                  <a:srgbClr val="FFFF00"/>
+                </a:highlight>
                 <a:latin typeface="Consolas" panose="020B0609020204030204" pitchFamily="49" charset="0"/>
               </a:rPr>
               <a:t>) -&gt; { </a:t>
@@ -16046,6 +16824,11 @@
   <p:clrMapOvr>
     <a:masterClrMapping/>
   </p:clrMapOvr>
+  <p:extLst>
+    <p:ext uri="{6950BFC3-D8DA-4A85-94F7-54DA5524770B}">
+      <p188:commentRel xmlns:p188="http://schemas.microsoft.com/office/powerpoint/2018/8/main" r:id="rId3"/>
+    </p:ext>
+  </p:extLst>
 </p:sld>
 </file>
 
@@ -16150,6 +16933,11 @@
   <p:clrMapOvr>
     <a:masterClrMapping/>
   </p:clrMapOvr>
+  <p:extLst>
+    <p:ext uri="{6950BFC3-D8DA-4A85-94F7-54DA5524770B}">
+      <p188:commentRel xmlns:p188="http://schemas.microsoft.com/office/powerpoint/2018/8/main" r:id="rId2"/>
+    </p:ext>
+  </p:extLst>
 </p:sld>
 </file>
 
